--- a/Quantum_information/Entropy_propagation/pyr.pptx
+++ b/Quantum_information/Entropy_propagation/pyr.pptx
@@ -272,7 +272,7 @@
           <a:p>
             <a:fld id="{B3F09FF6-FAF0-45D7-A1B4-47217C454B7A}" type="datetimeFigureOut">
               <a:rPr lang="it-IT" smtClean="0"/>
-              <a:t>20/05/2021</a:t>
+              <a:t>25/05/2021</a:t>
             </a:fld>
             <a:endParaRPr lang="it-IT"/>
           </a:p>
@@ -472,7 +472,7 @@
           <a:p>
             <a:fld id="{B3F09FF6-FAF0-45D7-A1B4-47217C454B7A}" type="datetimeFigureOut">
               <a:rPr lang="it-IT" smtClean="0"/>
-              <a:t>20/05/2021</a:t>
+              <a:t>25/05/2021</a:t>
             </a:fld>
             <a:endParaRPr lang="it-IT"/>
           </a:p>
@@ -682,7 +682,7 @@
           <a:p>
             <a:fld id="{B3F09FF6-FAF0-45D7-A1B4-47217C454B7A}" type="datetimeFigureOut">
               <a:rPr lang="it-IT" smtClean="0"/>
-              <a:t>20/05/2021</a:t>
+              <a:t>25/05/2021</a:t>
             </a:fld>
             <a:endParaRPr lang="it-IT"/>
           </a:p>
@@ -882,7 +882,7 @@
           <a:p>
             <a:fld id="{B3F09FF6-FAF0-45D7-A1B4-47217C454B7A}" type="datetimeFigureOut">
               <a:rPr lang="it-IT" smtClean="0"/>
-              <a:t>20/05/2021</a:t>
+              <a:t>25/05/2021</a:t>
             </a:fld>
             <a:endParaRPr lang="it-IT"/>
           </a:p>
@@ -1158,7 +1158,7 @@
           <a:p>
             <a:fld id="{B3F09FF6-FAF0-45D7-A1B4-47217C454B7A}" type="datetimeFigureOut">
               <a:rPr lang="it-IT" smtClean="0"/>
-              <a:t>20/05/2021</a:t>
+              <a:t>25/05/2021</a:t>
             </a:fld>
             <a:endParaRPr lang="it-IT"/>
           </a:p>
@@ -1426,7 +1426,7 @@
           <a:p>
             <a:fld id="{B3F09FF6-FAF0-45D7-A1B4-47217C454B7A}" type="datetimeFigureOut">
               <a:rPr lang="it-IT" smtClean="0"/>
-              <a:t>20/05/2021</a:t>
+              <a:t>25/05/2021</a:t>
             </a:fld>
             <a:endParaRPr lang="it-IT"/>
           </a:p>
@@ -1841,7 +1841,7 @@
           <a:p>
             <a:fld id="{B3F09FF6-FAF0-45D7-A1B4-47217C454B7A}" type="datetimeFigureOut">
               <a:rPr lang="it-IT" smtClean="0"/>
-              <a:t>20/05/2021</a:t>
+              <a:t>25/05/2021</a:t>
             </a:fld>
             <a:endParaRPr lang="it-IT"/>
           </a:p>
@@ -1983,7 +1983,7 @@
           <a:p>
             <a:fld id="{B3F09FF6-FAF0-45D7-A1B4-47217C454B7A}" type="datetimeFigureOut">
               <a:rPr lang="it-IT" smtClean="0"/>
-              <a:t>20/05/2021</a:t>
+              <a:t>25/05/2021</a:t>
             </a:fld>
             <a:endParaRPr lang="it-IT"/>
           </a:p>
@@ -2096,7 +2096,7 @@
           <a:p>
             <a:fld id="{B3F09FF6-FAF0-45D7-A1B4-47217C454B7A}" type="datetimeFigureOut">
               <a:rPr lang="it-IT" smtClean="0"/>
-              <a:t>20/05/2021</a:t>
+              <a:t>25/05/2021</a:t>
             </a:fld>
             <a:endParaRPr lang="it-IT"/>
           </a:p>
@@ -2409,7 +2409,7 @@
           <a:p>
             <a:fld id="{B3F09FF6-FAF0-45D7-A1B4-47217C454B7A}" type="datetimeFigureOut">
               <a:rPr lang="it-IT" smtClean="0"/>
-              <a:t>20/05/2021</a:t>
+              <a:t>25/05/2021</a:t>
             </a:fld>
             <a:endParaRPr lang="it-IT"/>
           </a:p>
@@ -2698,7 +2698,7 @@
           <a:p>
             <a:fld id="{B3F09FF6-FAF0-45D7-A1B4-47217C454B7A}" type="datetimeFigureOut">
               <a:rPr lang="it-IT" smtClean="0"/>
-              <a:t>20/05/2021</a:t>
+              <a:t>25/05/2021</a:t>
             </a:fld>
             <a:endParaRPr lang="it-IT"/>
           </a:p>
@@ -2941,7 +2941,7 @@
           <a:p>
             <a:fld id="{B3F09FF6-FAF0-45D7-A1B4-47217C454B7A}" type="datetimeFigureOut">
               <a:rPr lang="it-IT" smtClean="0"/>
-              <a:t>20/05/2021</a:t>
+              <a:t>25/05/2021</a:t>
             </a:fld>
             <a:endParaRPr lang="it-IT"/>
           </a:p>
@@ -3386,7 +3386,7 @@
         </p:blipFill>
         <p:spPr>
           <a:xfrm>
-            <a:off x="2080302" y="1825830"/>
+            <a:off x="2128855" y="856271"/>
             <a:ext cx="7460207" cy="5145458"/>
           </a:xfrm>
           <a:prstGeom prst="rect">
@@ -3410,7 +3410,7 @@
             </p:nvSpPr>
             <p:spPr>
               <a:xfrm>
-                <a:off x="8869126" y="5657269"/>
+                <a:off x="8917679" y="4687710"/>
                 <a:ext cx="181139" cy="276999"/>
               </a:xfrm>
               <a:prstGeom prst="rect">
@@ -3424,6 +3424,7 @@
               </a:bodyPr>
               <a:lstStyle/>
               <a:p>
+                <a:pPr/>
                 <a14:m>
                   <m:oMathPara xmlns:m="http://schemas.openxmlformats.org/officeDocument/2006/math">
                     <m:oMathParaPr>
@@ -3461,7 +3462,7 @@
             </p:nvSpPr>
             <p:spPr>
               <a:xfrm>
-                <a:off x="8869126" y="5657269"/>
+                <a:off x="8917679" y="4687710"/>
                 <a:ext cx="181139" cy="276999"/>
               </a:xfrm>
               <a:prstGeom prst="rect">
@@ -3470,7 +3471,7 @@
               <a:blipFill>
                 <a:blip r:embed="rId3"/>
                 <a:stretch>
-                  <a:fillRect l="-33333" r="-26667" b="-8889"/>
+                  <a:fillRect l="-33333" r="-26667" b="-6667"/>
                 </a:stretch>
               </a:blipFill>
             </p:spPr>
@@ -3505,7 +3506,7 @@
             </p:nvSpPr>
             <p:spPr>
               <a:xfrm>
-                <a:off x="8625016" y="5380270"/>
+                <a:off x="8673569" y="4410711"/>
                 <a:ext cx="181139" cy="276999"/>
               </a:xfrm>
               <a:prstGeom prst="rect">
@@ -3519,6 +3520,7 @@
               </a:bodyPr>
               <a:lstStyle/>
               <a:p>
+                <a:pPr/>
                 <a14:m>
                   <m:oMathPara xmlns:m="http://schemas.openxmlformats.org/officeDocument/2006/math">
                     <m:oMathParaPr>
@@ -3556,7 +3558,7 @@
             </p:nvSpPr>
             <p:spPr>
               <a:xfrm>
-                <a:off x="8625016" y="5380270"/>
+                <a:off x="8673569" y="4410711"/>
                 <a:ext cx="181139" cy="276999"/>
               </a:xfrm>
               <a:prstGeom prst="rect">
@@ -3600,7 +3602,7 @@
             </p:nvSpPr>
             <p:spPr>
               <a:xfrm>
-                <a:off x="8364722" y="5039056"/>
+                <a:off x="8413275" y="4069497"/>
                 <a:ext cx="181139" cy="276999"/>
               </a:xfrm>
               <a:prstGeom prst="rect">
@@ -3614,6 +3616,7 @@
               </a:bodyPr>
               <a:lstStyle/>
               <a:p>
+                <a:pPr/>
                 <a14:m>
                   <m:oMathPara xmlns:m="http://schemas.openxmlformats.org/officeDocument/2006/math">
                     <m:oMathParaPr>
@@ -3651,7 +3654,7 @@
             </p:nvSpPr>
             <p:spPr>
               <a:xfrm>
-                <a:off x="8364722" y="5039056"/>
+                <a:off x="8413275" y="4069497"/>
                 <a:ext cx="181139" cy="276999"/>
               </a:xfrm>
               <a:prstGeom prst="rect">
@@ -3695,7 +3698,7 @@
             </p:nvSpPr>
             <p:spPr>
               <a:xfrm>
-                <a:off x="8145911" y="4762057"/>
+                <a:off x="8194464" y="3792498"/>
                 <a:ext cx="309380" cy="276999"/>
               </a:xfrm>
               <a:prstGeom prst="rect">
@@ -3709,6 +3712,7 @@
               </a:bodyPr>
               <a:lstStyle/>
               <a:p>
+                <a:pPr/>
                 <a14:m>
                   <m:oMathPara xmlns:m="http://schemas.openxmlformats.org/officeDocument/2006/math">
                     <m:oMathParaPr>
@@ -3746,7 +3750,7 @@
             </p:nvSpPr>
             <p:spPr>
               <a:xfrm>
-                <a:off x="8145911" y="4762057"/>
+                <a:off x="8194464" y="3792498"/>
                 <a:ext cx="309380" cy="276999"/>
               </a:xfrm>
               <a:prstGeom prst="rect">
@@ -3788,7 +3792,7 @@
         </p:nvSpPr>
         <p:spPr>
           <a:xfrm>
-            <a:off x="7926077" y="4398559"/>
+            <a:off x="7974630" y="3429000"/>
             <a:ext cx="234038" cy="276999"/>
           </a:xfrm>
           <a:prstGeom prst="rect">
@@ -3825,7 +3829,7 @@
             </p:nvSpPr>
             <p:spPr>
               <a:xfrm>
-                <a:off x="7640586" y="4121560"/>
+                <a:off x="7689139" y="3152001"/>
                 <a:ext cx="309380" cy="276999"/>
               </a:xfrm>
               <a:prstGeom prst="rect">
@@ -3839,6 +3843,7 @@
               </a:bodyPr>
               <a:lstStyle/>
               <a:p>
+                <a:pPr/>
                 <a14:m>
                   <m:oMathPara xmlns:m="http://schemas.openxmlformats.org/officeDocument/2006/math">
                     <m:oMathParaPr>
@@ -3876,7 +3881,7 @@
             </p:nvSpPr>
             <p:spPr>
               <a:xfrm>
-                <a:off x="7640586" y="4121560"/>
+                <a:off x="7689139" y="3152001"/>
                 <a:ext cx="309380" cy="276999"/>
               </a:xfrm>
               <a:prstGeom prst="rect">
@@ -3920,7 +3925,7 @@
             </p:nvSpPr>
             <p:spPr>
               <a:xfrm>
-                <a:off x="7357656" y="3786982"/>
+                <a:off x="7406209" y="2817423"/>
                 <a:ext cx="437620" cy="276999"/>
               </a:xfrm>
               <a:prstGeom prst="rect">
@@ -3934,6 +3939,7 @@
               </a:bodyPr>
               <a:lstStyle/>
               <a:p>
+                <a:pPr/>
                 <a14:m>
                   <m:oMathPara xmlns:m="http://schemas.openxmlformats.org/officeDocument/2006/math">
                     <m:oMathParaPr>
@@ -3971,7 +3977,7 @@
             </p:nvSpPr>
             <p:spPr>
               <a:xfrm>
-                <a:off x="7357656" y="3786982"/>
+                <a:off x="7406209" y="2817423"/>
                 <a:ext cx="437620" cy="276999"/>
               </a:xfrm>
               <a:prstGeom prst="rect">
@@ -4015,7 +4021,7 @@
             </p:nvSpPr>
             <p:spPr>
               <a:xfrm>
-                <a:off x="7138846" y="3429000"/>
+                <a:off x="7187399" y="2459441"/>
                 <a:ext cx="437620" cy="276999"/>
               </a:xfrm>
               <a:prstGeom prst="rect">
@@ -4029,6 +4035,7 @@
               </a:bodyPr>
               <a:lstStyle/>
               <a:p>
+                <a:pPr/>
                 <a14:m>
                   <m:oMathPara xmlns:m="http://schemas.openxmlformats.org/officeDocument/2006/math">
                     <m:oMathParaPr>
@@ -4066,7 +4073,7 @@
             </p:nvSpPr>
             <p:spPr>
               <a:xfrm>
-                <a:off x="7138846" y="3429000"/>
+                <a:off x="7187399" y="2459441"/>
                 <a:ext cx="437620" cy="276999"/>
               </a:xfrm>
               <a:prstGeom prst="rect">
@@ -4075,7 +4082,7 @@
               <a:blipFill>
                 <a:blip r:embed="rId9"/>
                 <a:stretch>
-                  <a:fillRect l="-12500" r="-13889" b="-6667"/>
+                  <a:fillRect l="-12500" r="-13889" b="-6522"/>
                 </a:stretch>
               </a:blipFill>
             </p:spPr>
@@ -4110,7 +4117,7 @@
             </p:nvSpPr>
             <p:spPr>
               <a:xfrm>
-                <a:off x="6920036" y="3128569"/>
+                <a:off x="6968589" y="2159010"/>
                 <a:ext cx="437620" cy="276999"/>
               </a:xfrm>
               <a:prstGeom prst="rect">
@@ -4124,6 +4131,7 @@
               </a:bodyPr>
               <a:lstStyle/>
               <a:p>
+                <a:pPr/>
                 <a14:m>
                   <m:oMathPara xmlns:m="http://schemas.openxmlformats.org/officeDocument/2006/math">
                     <m:oMathParaPr>
@@ -4161,7 +4169,7 @@
             </p:nvSpPr>
             <p:spPr>
               <a:xfrm>
-                <a:off x="6920036" y="3128569"/>
+                <a:off x="6968589" y="2159010"/>
                 <a:ext cx="437620" cy="276999"/>
               </a:xfrm>
               <a:prstGeom prst="rect">
@@ -4205,7 +4213,7 @@
             </p:nvSpPr>
             <p:spPr>
               <a:xfrm>
-                <a:off x="6694839" y="2828138"/>
+                <a:off x="6743392" y="1858579"/>
                 <a:ext cx="565861" cy="276999"/>
               </a:xfrm>
               <a:prstGeom prst="rect">
@@ -4219,6 +4227,7 @@
               </a:bodyPr>
               <a:lstStyle/>
               <a:p>
+                <a:pPr/>
                 <a14:m>
                   <m:oMathPara xmlns:m="http://schemas.openxmlformats.org/officeDocument/2006/math">
                     <m:oMathParaPr>
@@ -4256,7 +4265,7 @@
             </p:nvSpPr>
             <p:spPr>
               <a:xfrm>
-                <a:off x="6694839" y="2828138"/>
+                <a:off x="6743392" y="1858579"/>
                 <a:ext cx="565861" cy="276999"/>
               </a:xfrm>
               <a:prstGeom prst="rect">
@@ -4300,7 +4309,7 @@
             </p:nvSpPr>
             <p:spPr>
               <a:xfrm>
-                <a:off x="6411908" y="2527707"/>
+                <a:off x="6460461" y="1558148"/>
                 <a:ext cx="565861" cy="276999"/>
               </a:xfrm>
               <a:prstGeom prst="rect">
@@ -4314,6 +4323,7 @@
               </a:bodyPr>
               <a:lstStyle/>
               <a:p>
+                <a:pPr/>
                 <a14:m>
                   <m:oMathPara xmlns:m="http://schemas.openxmlformats.org/officeDocument/2006/math">
                     <m:oMathParaPr>
@@ -4351,7 +4361,7 @@
             </p:nvSpPr>
             <p:spPr>
               <a:xfrm>
-                <a:off x="6411908" y="2527707"/>
+                <a:off x="6460461" y="1558148"/>
                 <a:ext cx="565861" cy="276999"/>
               </a:xfrm>
               <a:prstGeom prst="rect">
@@ -4395,7 +4405,7 @@
             </p:nvSpPr>
             <p:spPr>
               <a:xfrm>
-                <a:off x="6200166" y="2121629"/>
+                <a:off x="6248719" y="1152070"/>
                 <a:ext cx="565861" cy="276999"/>
               </a:xfrm>
               <a:prstGeom prst="rect">
@@ -4409,6 +4419,7 @@
               </a:bodyPr>
               <a:lstStyle/>
               <a:p>
+                <a:pPr/>
                 <a14:m>
                   <m:oMathPara xmlns:m="http://schemas.openxmlformats.org/officeDocument/2006/math">
                     <m:oMathParaPr>
@@ -4446,7 +4457,7 @@
             </p:nvSpPr>
             <p:spPr>
               <a:xfrm>
-                <a:off x="6200166" y="2121629"/>
+                <a:off x="6248719" y="1152070"/>
                 <a:ext cx="565861" cy="276999"/>
               </a:xfrm>
               <a:prstGeom prst="rect">
@@ -4455,7 +4466,7 @@
               <a:blipFill>
                 <a:blip r:embed="rId13"/>
                 <a:stretch>
-                  <a:fillRect l="-8602" r="-10753" b="-8889"/>
+                  <a:fillRect l="-8602" r="-10753" b="-6667"/>
                 </a:stretch>
               </a:blipFill>
             </p:spPr>
